--- a/Coronavirus Story.pptx
+++ b/Coronavirus Story.pptx
@@ -1641,8 +1641,8 @@
         </p:blipFill>
         <p:spPr>
           <a:xfrm>
-            <a:off x="806806" y="0"/>
-            <a:ext cx="7530388" cy="5143500"/>
+            <a:off x="737906" y="0"/>
+            <a:ext cx="7668189" cy="5143500"/>
           </a:xfrm>
           <a:prstGeom prst="rect">
             <a:avLst/>

--- a/Coronavirus Story.pptx
+++ b/Coronavirus Story.pptx
@@ -1592,8 +1592,8 @@
         </p:blipFill>
         <p:spPr>
           <a:xfrm>
-            <a:off x="0" y="891499"/>
-            <a:ext cx="9144000" cy="3360503"/>
+            <a:off x="0" y="914606"/>
+            <a:ext cx="9144000" cy="3314287"/>
           </a:xfrm>
           <a:prstGeom prst="rect">
             <a:avLst/>
@@ -1641,8 +1641,8 @@
         </p:blipFill>
         <p:spPr>
           <a:xfrm>
-            <a:off x="737906" y="0"/>
-            <a:ext cx="7668189" cy="5143500"/>
+            <a:off x="717158" y="0"/>
+            <a:ext cx="7709683" cy="5143500"/>
           </a:xfrm>
           <a:prstGeom prst="rect">
             <a:avLst/>
@@ -1690,8 +1690,8 @@
         </p:blipFill>
         <p:spPr>
           <a:xfrm>
-            <a:off x="0" y="670326"/>
-            <a:ext cx="9144000" cy="3802848"/>
+            <a:off x="0" y="703337"/>
+            <a:ext cx="9144000" cy="3736826"/>
           </a:xfrm>
           <a:prstGeom prst="rect">
             <a:avLst/>
@@ -1739,8 +1739,8 @@
         </p:blipFill>
         <p:spPr>
           <a:xfrm>
-            <a:off x="0" y="171863"/>
-            <a:ext cx="9144000" cy="4799775"/>
+            <a:off x="0" y="227981"/>
+            <a:ext cx="9144000" cy="4687538"/>
           </a:xfrm>
           <a:prstGeom prst="rect">
             <a:avLst/>
@@ -1788,8 +1788,8 @@
         </p:blipFill>
         <p:spPr>
           <a:xfrm>
-            <a:off x="0" y="670326"/>
-            <a:ext cx="9144000" cy="3802848"/>
+            <a:off x="0" y="703337"/>
+            <a:ext cx="9144000" cy="3736826"/>
           </a:xfrm>
           <a:prstGeom prst="rect">
             <a:avLst/>
@@ -1837,8 +1837,8 @@
         </p:blipFill>
         <p:spPr>
           <a:xfrm>
-            <a:off x="0" y="670326"/>
-            <a:ext cx="9144000" cy="3802848"/>
+            <a:off x="0" y="703337"/>
+            <a:ext cx="9144000" cy="3736826"/>
           </a:xfrm>
           <a:prstGeom prst="rect">
             <a:avLst/>
@@ -1886,8 +1886,8 @@
         </p:blipFill>
         <p:spPr>
           <a:xfrm>
-            <a:off x="0" y="670326"/>
-            <a:ext cx="9144000" cy="3802848"/>
+            <a:off x="0" y="703337"/>
+            <a:ext cx="9144000" cy="3736826"/>
           </a:xfrm>
           <a:prstGeom prst="rect">
             <a:avLst/>
@@ -1935,8 +1935,8 @@
         </p:blipFill>
         <p:spPr>
           <a:xfrm>
-            <a:off x="0" y="670326"/>
-            <a:ext cx="9144000" cy="3802848"/>
+            <a:off x="0" y="703337"/>
+            <a:ext cx="9144000" cy="3736826"/>
           </a:xfrm>
           <a:prstGeom prst="rect">
             <a:avLst/>
@@ -1984,8 +1984,8 @@
         </p:blipFill>
         <p:spPr>
           <a:xfrm>
-            <a:off x="0" y="442953"/>
-            <a:ext cx="9144000" cy="4257593"/>
+            <a:off x="0" y="390552"/>
+            <a:ext cx="9144000" cy="4362395"/>
           </a:xfrm>
           <a:prstGeom prst="rect">
             <a:avLst/>

--- a/Coronavirus Story.pptx
+++ b/Coronavirus Story.pptx
@@ -1592,8 +1592,8 @@
         </p:blipFill>
         <p:spPr>
           <a:xfrm>
-            <a:off x="0" y="914606"/>
-            <a:ext cx="9144000" cy="3314287"/>
+            <a:off x="0" y="921114"/>
+            <a:ext cx="9144000" cy="3301272"/>
           </a:xfrm>
           <a:prstGeom prst="rect">
             <a:avLst/>

--- a/Coronavirus Story.pptx
+++ b/Coronavirus Story.pptx
@@ -1592,8 +1592,8 @@
         </p:blipFill>
         <p:spPr>
           <a:xfrm>
-            <a:off x="0" y="921114"/>
-            <a:ext cx="9144000" cy="3301272"/>
+            <a:off x="0" y="891499"/>
+            <a:ext cx="9144000" cy="3360503"/>
           </a:xfrm>
           <a:prstGeom prst="rect">
             <a:avLst/>
@@ -1641,8 +1641,8 @@
         </p:blipFill>
         <p:spPr>
           <a:xfrm>
-            <a:off x="717158" y="0"/>
-            <a:ext cx="7709683" cy="5143500"/>
+            <a:off x="737906" y="0"/>
+            <a:ext cx="7668189" cy="5143500"/>
           </a:xfrm>
           <a:prstGeom prst="rect">
             <a:avLst/>
@@ -1690,8 +1690,8 @@
         </p:blipFill>
         <p:spPr>
           <a:xfrm>
-            <a:off x="0" y="703337"/>
-            <a:ext cx="9144000" cy="3736826"/>
+            <a:off x="0" y="670326"/>
+            <a:ext cx="9144000" cy="3802848"/>
           </a:xfrm>
           <a:prstGeom prst="rect">
             <a:avLst/>
@@ -1739,8 +1739,8 @@
         </p:blipFill>
         <p:spPr>
           <a:xfrm>
-            <a:off x="0" y="227981"/>
-            <a:ext cx="9144000" cy="4687538"/>
+            <a:off x="0" y="171863"/>
+            <a:ext cx="9144000" cy="4799775"/>
           </a:xfrm>
           <a:prstGeom prst="rect">
             <a:avLst/>
@@ -1788,8 +1788,8 @@
         </p:blipFill>
         <p:spPr>
           <a:xfrm>
-            <a:off x="0" y="703337"/>
-            <a:ext cx="9144000" cy="3736826"/>
+            <a:off x="0" y="670326"/>
+            <a:ext cx="9144000" cy="3802848"/>
           </a:xfrm>
           <a:prstGeom prst="rect">
             <a:avLst/>
@@ -1837,8 +1837,8 @@
         </p:blipFill>
         <p:spPr>
           <a:xfrm>
-            <a:off x="0" y="703337"/>
-            <a:ext cx="9144000" cy="3736826"/>
+            <a:off x="0" y="670326"/>
+            <a:ext cx="9144000" cy="3802848"/>
           </a:xfrm>
           <a:prstGeom prst="rect">
             <a:avLst/>
@@ -1886,8 +1886,8 @@
         </p:blipFill>
         <p:spPr>
           <a:xfrm>
-            <a:off x="0" y="703337"/>
-            <a:ext cx="9144000" cy="3736826"/>
+            <a:off x="0" y="670326"/>
+            <a:ext cx="9144000" cy="3802848"/>
           </a:xfrm>
           <a:prstGeom prst="rect">
             <a:avLst/>
@@ -1935,8 +1935,8 @@
         </p:blipFill>
         <p:spPr>
           <a:xfrm>
-            <a:off x="0" y="703337"/>
-            <a:ext cx="9144000" cy="3736826"/>
+            <a:off x="0" y="670326"/>
+            <a:ext cx="9144000" cy="3802848"/>
           </a:xfrm>
           <a:prstGeom prst="rect">
             <a:avLst/>
@@ -1984,8 +1984,8 @@
         </p:blipFill>
         <p:spPr>
           <a:xfrm>
-            <a:off x="0" y="390552"/>
-            <a:ext cx="9144000" cy="4362395"/>
+            <a:off x="0" y="442953"/>
+            <a:ext cx="9144000" cy="4257593"/>
           </a:xfrm>
           <a:prstGeom prst="rect">
             <a:avLst/>
